--- a/My Courses/Python Introduction/0 - Basic functions/Python.pptx
+++ b/My Courses/Python Introduction/0 - Basic functions/Python.pptx
@@ -5,15 +5,22 @@
     <p:sldMasterId id="2147483678" r:id="rId1"/>
   </p:sldMasterIdLst>
   <p:notesMasterIdLst>
-    <p:notesMasterId r:id="rId8"/>
+    <p:notesMasterId r:id="rId15"/>
   </p:notesMasterIdLst>
   <p:sldIdLst>
     <p:sldId id="256" r:id="rId2"/>
-    <p:sldId id="322" r:id="rId3"/>
-    <p:sldId id="323" r:id="rId4"/>
-    <p:sldId id="325" r:id="rId5"/>
-    <p:sldId id="326" r:id="rId6"/>
-    <p:sldId id="324" r:id="rId7"/>
+    <p:sldId id="327" r:id="rId3"/>
+    <p:sldId id="322" r:id="rId4"/>
+    <p:sldId id="323" r:id="rId5"/>
+    <p:sldId id="328" r:id="rId6"/>
+    <p:sldId id="325" r:id="rId7"/>
+    <p:sldId id="326" r:id="rId8"/>
+    <p:sldId id="329" r:id="rId9"/>
+    <p:sldId id="330" r:id="rId10"/>
+    <p:sldId id="331" r:id="rId11"/>
+    <p:sldId id="332" r:id="rId12"/>
+    <p:sldId id="333" r:id="rId13"/>
+    <p:sldId id="324" r:id="rId14"/>
   </p:sldIdLst>
   <p:sldSz cx="12192000" cy="6858000"/>
   <p:notesSz cx="6858000" cy="9144000"/>
@@ -118,10 +125,17 @@
         <p14:section name="Sección predeterminada" id="{736848C2-64E4-4461-AE3A-D2FBE646166E}">
           <p14:sldIdLst>
             <p14:sldId id="256"/>
+            <p14:sldId id="327"/>
             <p14:sldId id="322"/>
             <p14:sldId id="323"/>
+            <p14:sldId id="328"/>
             <p14:sldId id="325"/>
             <p14:sldId id="326"/>
+            <p14:sldId id="329"/>
+            <p14:sldId id="330"/>
+            <p14:sldId id="331"/>
+            <p14:sldId id="332"/>
+            <p14:sldId id="333"/>
             <p14:sldId id="324"/>
           </p14:sldIdLst>
         </p14:section>
@@ -249,7 +263,7 @@
           <a:p>
             <a:fld id="{B2E8E9B9-1E63-4F39-B8D0-582BC410424E}" type="datetimeFigureOut">
               <a:rPr lang="es-CO" smtClean="0"/>
-              <a:t>19/06/2018</a:t>
+              <a:t>20/05/2019</a:t>
             </a:fld>
             <a:endParaRPr lang="es-CO"/>
           </a:p>
@@ -920,7 +934,7 @@
           <a:p>
             <a:fld id="{7686B5EC-4FB1-41B7-8670-53AEB2EB1F31}" type="datetime1">
               <a:rPr lang="es-CO" smtClean="0"/>
-              <a:t>19/06/2018</a:t>
+              <a:t>20/05/2019</a:t>
             </a:fld>
             <a:endParaRPr lang="es-CO"/>
           </a:p>
@@ -1099,7 +1113,7 @@
           <a:p>
             <a:fld id="{62E4560F-08EB-4591-90FD-AD5C1DC1F912}" type="datetime1">
               <a:rPr lang="es-CO" smtClean="0"/>
-              <a:t>19/06/2018</a:t>
+              <a:t>20/05/2019</a:t>
             </a:fld>
             <a:endParaRPr lang="es-CO"/>
           </a:p>
@@ -1279,7 +1293,7 @@
           <a:p>
             <a:fld id="{46C3FAB3-FA39-4B21-835A-5E3984399770}" type="datetime1">
               <a:rPr lang="es-CO" smtClean="0"/>
-              <a:t>19/06/2018</a:t>
+              <a:t>20/05/2019</a:t>
             </a:fld>
             <a:endParaRPr lang="es-CO"/>
           </a:p>
@@ -1449,7 +1463,7 @@
           <a:p>
             <a:fld id="{CE59C47A-37D4-4CD3-863B-E2426EE6CC8B}" type="datetime1">
               <a:rPr lang="es-CO" smtClean="0"/>
-              <a:t>19/06/2018</a:t>
+              <a:t>20/05/2019</a:t>
             </a:fld>
             <a:endParaRPr lang="es-CO"/>
           </a:p>
@@ -1762,7 +1776,7 @@
           <a:p>
             <a:fld id="{52D3C397-871A-486A-9EDA-A50E2540B44C}" type="datetime1">
               <a:rPr lang="es-CO" smtClean="0"/>
-              <a:t>19/06/2018</a:t>
+              <a:t>20/05/2019</a:t>
             </a:fld>
             <a:endParaRPr lang="es-CO"/>
           </a:p>
@@ -2148,7 +2162,7 @@
           <a:p>
             <a:fld id="{F5F208A2-D046-4CB3-B907-9AFEC6B4C15E}" type="datetime1">
               <a:rPr lang="es-CO" smtClean="0"/>
-              <a:t>19/06/2018</a:t>
+              <a:t>20/05/2019</a:t>
             </a:fld>
             <a:endParaRPr lang="es-CO"/>
           </a:p>
@@ -2582,7 +2596,7 @@
           <a:p>
             <a:fld id="{170543B1-7E09-44FA-9D8B-F7555B771CB0}" type="datetime1">
               <a:rPr lang="es-CO" smtClean="0"/>
-              <a:t>19/06/2018</a:t>
+              <a:t>20/05/2019</a:t>
             </a:fld>
             <a:endParaRPr lang="es-CO"/>
           </a:p>
@@ -2700,7 +2714,7 @@
           <a:p>
             <a:fld id="{08F7ECEC-DB93-4B02-ABB3-32DAF92FC469}" type="datetime1">
               <a:rPr lang="es-CO" smtClean="0"/>
-              <a:t>19/06/2018</a:t>
+              <a:t>20/05/2019</a:t>
             </a:fld>
             <a:endParaRPr lang="es-CO"/>
           </a:p>
@@ -2795,7 +2809,7 @@
           <a:p>
             <a:fld id="{FA3FB42F-D29F-4CA9-87B0-922206F8D5F8}" type="datetime1">
               <a:rPr lang="es-CO" smtClean="0"/>
-              <a:t>19/06/2018</a:t>
+              <a:t>20/05/2019</a:t>
             </a:fld>
             <a:endParaRPr lang="es-CO"/>
           </a:p>
@@ -3145,7 +3159,7 @@
           <a:p>
             <a:fld id="{2A2B69C3-9891-4BE4-9764-7F83AEDC17A0}" type="datetime1">
               <a:rPr lang="es-CO" smtClean="0"/>
-              <a:t>19/06/2018</a:t>
+              <a:t>20/05/2019</a:t>
             </a:fld>
             <a:endParaRPr lang="es-CO"/>
           </a:p>
@@ -3570,7 +3584,7 @@
           <a:p>
             <a:fld id="{2A1B9C8D-6C34-4E0F-8C0D-07BF18418F64}" type="datetime1">
               <a:rPr lang="es-CO" smtClean="0"/>
-              <a:t>19/06/2018</a:t>
+              <a:t>20/05/2019</a:t>
             </a:fld>
             <a:endParaRPr lang="es-CO"/>
           </a:p>
@@ -3851,7 +3865,7 @@
           <a:p>
             <a:fld id="{BBFFA07A-99AB-4C84-99F6-2A5A5CBA9238}" type="datetime1">
               <a:rPr lang="es-CO" smtClean="0"/>
-              <a:t>19/06/2018</a:t>
+              <a:t>20/05/2019</a:t>
             </a:fld>
             <a:endParaRPr lang="es-CO"/>
           </a:p>
@@ -4605,6 +4619,838 @@
 </p:sld>
 </file>
 
+<file path=ppt/slides/slide10.xml><?xml version="1.0" encoding="utf-8"?>
+<p:sld xmlns:a="http://schemas.openxmlformats.org/drawingml/2006/main" xmlns:r="http://schemas.openxmlformats.org/officeDocument/2006/relationships" xmlns:p="http://schemas.openxmlformats.org/presentationml/2006/main">
+  <p:cSld>
+    <p:spTree>
+      <p:nvGrpSpPr>
+        <p:cNvPr id="1" name=""/>
+        <p:cNvGrpSpPr/>
+        <p:nvPr/>
+      </p:nvGrpSpPr>
+      <p:grpSpPr>
+        <a:xfrm>
+          <a:off x="0" y="0"/>
+          <a:ext cx="0" cy="0"/>
+          <a:chOff x="0" y="0"/>
+          <a:chExt cx="0" cy="0"/>
+        </a:xfrm>
+      </p:grpSpPr>
+      <p:sp>
+        <p:nvSpPr>
+          <p:cNvPr id="4" name="Marcador de número de diapositiva 3">
+            <a:extLst>
+              <a:ext uri="{FF2B5EF4-FFF2-40B4-BE49-F238E27FC236}">
+                <a16:creationId xmlns:a16="http://schemas.microsoft.com/office/drawing/2014/main" id="{EA221394-0EBB-4640-84DA-F1D36ECD6047}"/>
+              </a:ext>
+            </a:extLst>
+          </p:cNvPr>
+          <p:cNvSpPr>
+            <a:spLocks noGrp="1"/>
+          </p:cNvSpPr>
+          <p:nvPr>
+            <p:ph type="sldNum" sz="quarter" idx="12"/>
+          </p:nvPr>
+        </p:nvSpPr>
+        <p:spPr/>
+        <p:txBody>
+          <a:bodyPr/>
+          <a:lstStyle/>
+          <a:p>
+            <a:fld id="{FF3034EF-BFAE-4255-A656-297DAB7FEC3B}" type="slidenum">
+              <a:rPr lang="es-CO" smtClean="0"/>
+              <a:t>10</a:t>
+            </a:fld>
+            <a:endParaRPr lang="es-CO"/>
+          </a:p>
+        </p:txBody>
+      </p:sp>
+      <p:pic>
+        <p:nvPicPr>
+          <p:cNvPr id="3" name="Imagen 2"/>
+          <p:cNvPicPr>
+            <a:picLocks noChangeAspect="1"/>
+          </p:cNvPicPr>
+          <p:nvPr/>
+        </p:nvPicPr>
+        <p:blipFill>
+          <a:blip r:embed="rId2"/>
+          <a:stretch>
+            <a:fillRect/>
+          </a:stretch>
+        </p:blipFill>
+        <p:spPr>
+          <a:xfrm>
+            <a:off x="3514725" y="1863427"/>
+            <a:ext cx="5162550" cy="1828800"/>
+          </a:xfrm>
+          <a:prstGeom prst="rect">
+            <a:avLst/>
+          </a:prstGeom>
+          <a:effectLst>
+            <a:innerShdw blurRad="114300">
+              <a:prstClr val="black"/>
+            </a:innerShdw>
+          </a:effectLst>
+        </p:spPr>
+      </p:pic>
+      <p:pic>
+        <p:nvPicPr>
+          <p:cNvPr id="6" name="Imagen 5"/>
+          <p:cNvPicPr>
+            <a:picLocks noChangeAspect="1"/>
+          </p:cNvPicPr>
+          <p:nvPr/>
+        </p:nvPicPr>
+        <p:blipFill>
+          <a:blip r:embed="rId3"/>
+          <a:stretch>
+            <a:fillRect/>
+          </a:stretch>
+        </p:blipFill>
+        <p:spPr>
+          <a:xfrm>
+            <a:off x="2646328" y="4151886"/>
+            <a:ext cx="7658100" cy="1200150"/>
+          </a:xfrm>
+          <a:prstGeom prst="rect">
+            <a:avLst/>
+          </a:prstGeom>
+          <a:effectLst>
+            <a:innerShdw blurRad="114300">
+              <a:prstClr val="black"/>
+            </a:innerShdw>
+          </a:effectLst>
+        </p:spPr>
+      </p:pic>
+      <p:pic>
+        <p:nvPicPr>
+          <p:cNvPr id="7" name="Imagen 6"/>
+          <p:cNvPicPr>
+            <a:picLocks noChangeAspect="1"/>
+          </p:cNvPicPr>
+          <p:nvPr/>
+        </p:nvPicPr>
+        <p:blipFill>
+          <a:blip r:embed="rId4"/>
+          <a:stretch>
+            <a:fillRect/>
+          </a:stretch>
+        </p:blipFill>
+        <p:spPr>
+          <a:xfrm>
+            <a:off x="4795837" y="5811695"/>
+            <a:ext cx="2600325" cy="390525"/>
+          </a:xfrm>
+          <a:prstGeom prst="rect">
+            <a:avLst/>
+          </a:prstGeom>
+          <a:effectLst>
+            <a:innerShdw blurRad="114300">
+              <a:prstClr val="black"/>
+            </a:innerShdw>
+          </a:effectLst>
+        </p:spPr>
+      </p:pic>
+      <p:sp>
+        <p:nvSpPr>
+          <p:cNvPr id="8" name="Título 1"/>
+          <p:cNvSpPr>
+            <a:spLocks noGrp="1"/>
+          </p:cNvSpPr>
+          <p:nvPr>
+            <p:ph type="title"/>
+          </p:nvPr>
+        </p:nvSpPr>
+        <p:spPr>
+          <a:xfrm>
+            <a:off x="1069848" y="484632"/>
+            <a:ext cx="10058400" cy="1609344"/>
+          </a:xfrm>
+        </p:spPr>
+        <p:txBody>
+          <a:bodyPr/>
+          <a:lstStyle/>
+          <a:p>
+            <a:r>
+              <a:rPr lang="es-CO" dirty="0" smtClean="0"/>
+              <a:t>Python	</a:t>
+            </a:r>
+            <a:endParaRPr lang="es-CO" dirty="0"/>
+          </a:p>
+        </p:txBody>
+      </p:sp>
+      <p:pic>
+        <p:nvPicPr>
+          <p:cNvPr id="9" name="Picture 2" descr="Resultado de imagen para python hacker">
+            <a:hlinkClick r:id="rId5"/>
+            <a:extLst>
+              <a:ext uri="{FF2B5EF4-FFF2-40B4-BE49-F238E27FC236}">
+                <a16:creationId xmlns:a16="http://schemas.microsoft.com/office/drawing/2014/main" id="{55CBE6CB-490C-4164-B1F8-A3EE2D7D6928}"/>
+              </a:ext>
+            </a:extLst>
+          </p:cNvPr>
+          <p:cNvPicPr>
+            <a:picLocks noChangeAspect="1" noChangeArrowheads="1"/>
+          </p:cNvPicPr>
+          <p:nvPr/>
+        </p:nvPicPr>
+        <p:blipFill>
+          <a:blip r:embed="rId6">
+            <a:extLst>
+              <a:ext uri="{28A0092B-C50C-407E-A947-70E740481C1C}">
+                <a14:useLocalDpi xmlns:a14="http://schemas.microsoft.com/office/drawing/2010/main" val="0"/>
+              </a:ext>
+            </a:extLst>
+          </a:blip>
+          <a:srcRect/>
+          <a:stretch>
+            <a:fillRect/>
+          </a:stretch>
+        </p:blipFill>
+        <p:spPr bwMode="auto">
+          <a:xfrm>
+            <a:off x="-48126" y="5151040"/>
+            <a:ext cx="1652337" cy="1706960"/>
+          </a:xfrm>
+          <a:prstGeom prst="rect">
+            <a:avLst/>
+          </a:prstGeom>
+          <a:noFill/>
+          <a:effectLst>
+            <a:outerShdw blurRad="50800" dist="50800" dir="5400000" algn="ctr" rotWithShape="0">
+              <a:schemeClr val="bg1">
+                <a:alpha val="0"/>
+              </a:schemeClr>
+            </a:outerShdw>
+            <a:softEdge rad="38100"/>
+          </a:effectLst>
+          <a:extLst>
+            <a:ext uri="{909E8E84-426E-40DD-AFC4-6F175D3DCCD1}">
+              <a14:hiddenFill xmlns:a14="http://schemas.microsoft.com/office/drawing/2010/main">
+                <a:solidFill>
+                  <a:srgbClr val="FFFFFF"/>
+                </a:solidFill>
+              </a14:hiddenFill>
+            </a:ext>
+          </a:extLst>
+        </p:spPr>
+      </p:pic>
+    </p:spTree>
+    <p:extLst>
+      <p:ext uri="{BB962C8B-B14F-4D97-AF65-F5344CB8AC3E}">
+        <p14:creationId xmlns:p14="http://schemas.microsoft.com/office/powerpoint/2010/main" val="3328425944"/>
+      </p:ext>
+    </p:extLst>
+  </p:cSld>
+  <p:clrMapOvr>
+    <a:masterClrMapping/>
+  </p:clrMapOvr>
+  <p:timing>
+    <p:tnLst>
+      <p:par>
+        <p:cTn id="1" dur="indefinite" restart="never" nodeType="tmRoot"/>
+      </p:par>
+    </p:tnLst>
+  </p:timing>
+</p:sld>
+</file>
+
+<file path=ppt/slides/slide11.xml><?xml version="1.0" encoding="utf-8"?>
+<p:sld xmlns:a="http://schemas.openxmlformats.org/drawingml/2006/main" xmlns:r="http://schemas.openxmlformats.org/officeDocument/2006/relationships" xmlns:p="http://schemas.openxmlformats.org/presentationml/2006/main">
+  <p:cSld>
+    <p:spTree>
+      <p:nvGrpSpPr>
+        <p:cNvPr id="1" name=""/>
+        <p:cNvGrpSpPr/>
+        <p:nvPr/>
+      </p:nvGrpSpPr>
+      <p:grpSpPr>
+        <a:xfrm>
+          <a:off x="0" y="0"/>
+          <a:ext cx="0" cy="0"/>
+          <a:chOff x="0" y="0"/>
+          <a:chExt cx="0" cy="0"/>
+        </a:xfrm>
+      </p:grpSpPr>
+      <p:sp>
+        <p:nvSpPr>
+          <p:cNvPr id="4" name="Marcador de número de diapositiva 3">
+            <a:extLst>
+              <a:ext uri="{FF2B5EF4-FFF2-40B4-BE49-F238E27FC236}">
+                <a16:creationId xmlns:a16="http://schemas.microsoft.com/office/drawing/2014/main" id="{C2731F58-6171-4822-876A-A9B3468A20BC}"/>
+              </a:ext>
+            </a:extLst>
+          </p:cNvPr>
+          <p:cNvSpPr>
+            <a:spLocks noGrp="1"/>
+          </p:cNvSpPr>
+          <p:nvPr>
+            <p:ph type="sldNum" sz="quarter" idx="12"/>
+          </p:nvPr>
+        </p:nvSpPr>
+        <p:spPr/>
+        <p:txBody>
+          <a:bodyPr/>
+          <a:lstStyle/>
+          <a:p>
+            <a:fld id="{FF3034EF-BFAE-4255-A656-297DAB7FEC3B}" type="slidenum">
+              <a:rPr lang="es-CO" smtClean="0"/>
+              <a:t>11</a:t>
+            </a:fld>
+            <a:endParaRPr lang="es-CO"/>
+          </a:p>
+        </p:txBody>
+      </p:sp>
+      <p:pic>
+        <p:nvPicPr>
+          <p:cNvPr id="2050" name="Picture 2" descr="Resultado de imagen para pycharm">
+            <a:extLst>
+              <a:ext uri="{FF2B5EF4-FFF2-40B4-BE49-F238E27FC236}">
+                <a16:creationId xmlns:a16="http://schemas.microsoft.com/office/drawing/2014/main" id="{412809E5-1283-4D73-B407-E0259ADD5001}"/>
+              </a:ext>
+            </a:extLst>
+          </p:cNvPr>
+          <p:cNvPicPr>
+            <a:picLocks noChangeAspect="1" noChangeArrowheads="1"/>
+          </p:cNvPicPr>
+          <p:nvPr/>
+        </p:nvPicPr>
+        <p:blipFill>
+          <a:blip r:embed="rId2">
+            <a:extLst>
+              <a:ext uri="{28A0092B-C50C-407E-A947-70E740481C1C}">
+                <a14:useLocalDpi xmlns:a14="http://schemas.microsoft.com/office/drawing/2010/main" val="0"/>
+              </a:ext>
+            </a:extLst>
+          </a:blip>
+          <a:srcRect/>
+          <a:stretch>
+            <a:fillRect/>
+          </a:stretch>
+        </p:blipFill>
+        <p:spPr bwMode="auto">
+          <a:xfrm>
+            <a:off x="838200" y="2267383"/>
+            <a:ext cx="3314700" cy="1381125"/>
+          </a:xfrm>
+          <a:prstGeom prst="rect">
+            <a:avLst/>
+          </a:prstGeom>
+          <a:noFill/>
+          <a:effectLst>
+            <a:innerShdw blurRad="114300">
+              <a:prstClr val="black"/>
+            </a:innerShdw>
+          </a:effectLst>
+          <a:extLst>
+            <a:ext uri="{909E8E84-426E-40DD-AFC4-6F175D3DCCD1}">
+              <a14:hiddenFill xmlns:a14="http://schemas.microsoft.com/office/drawing/2010/main">
+                <a:solidFill>
+                  <a:srgbClr val="FFFFFF"/>
+                </a:solidFill>
+              </a14:hiddenFill>
+            </a:ext>
+          </a:extLst>
+        </p:spPr>
+      </p:pic>
+      <p:pic>
+        <p:nvPicPr>
+          <p:cNvPr id="2054" name="Picture 6" descr="Imagen relacionada">
+            <a:extLst>
+              <a:ext uri="{FF2B5EF4-FFF2-40B4-BE49-F238E27FC236}">
+                <a16:creationId xmlns:a16="http://schemas.microsoft.com/office/drawing/2014/main" id="{2819CC13-3C1D-4D59-8365-9BEF9BFD954E}"/>
+              </a:ext>
+            </a:extLst>
+          </p:cNvPr>
+          <p:cNvPicPr>
+            <a:picLocks noChangeAspect="1" noChangeArrowheads="1"/>
+          </p:cNvPicPr>
+          <p:nvPr/>
+        </p:nvPicPr>
+        <p:blipFill>
+          <a:blip r:embed="rId3" cstate="print">
+            <a:extLst>
+              <a:ext uri="{28A0092B-C50C-407E-A947-70E740481C1C}">
+                <a14:useLocalDpi xmlns:a14="http://schemas.microsoft.com/office/drawing/2010/main" val="0"/>
+              </a:ext>
+            </a:extLst>
+          </a:blip>
+          <a:srcRect/>
+          <a:stretch>
+            <a:fillRect/>
+          </a:stretch>
+        </p:blipFill>
+        <p:spPr bwMode="auto">
+          <a:xfrm>
+            <a:off x="4534506" y="2267383"/>
+            <a:ext cx="3343563" cy="1178497"/>
+          </a:xfrm>
+          <a:prstGeom prst="rect">
+            <a:avLst/>
+          </a:prstGeom>
+          <a:noFill/>
+          <a:effectLst>
+            <a:innerShdw blurRad="114300">
+              <a:prstClr val="black"/>
+            </a:innerShdw>
+          </a:effectLst>
+          <a:extLst>
+            <a:ext uri="{909E8E84-426E-40DD-AFC4-6F175D3DCCD1}">
+              <a14:hiddenFill xmlns:a14="http://schemas.microsoft.com/office/drawing/2010/main">
+                <a:solidFill>
+                  <a:srgbClr val="FFFFFF"/>
+                </a:solidFill>
+              </a14:hiddenFill>
+            </a:ext>
+          </a:extLst>
+        </p:spPr>
+      </p:pic>
+      <p:pic>
+        <p:nvPicPr>
+          <p:cNvPr id="2056" name="Picture 8" descr="Resultado de imagen para bloc de notas">
+            <a:extLst>
+              <a:ext uri="{FF2B5EF4-FFF2-40B4-BE49-F238E27FC236}">
+                <a16:creationId xmlns:a16="http://schemas.microsoft.com/office/drawing/2014/main" id="{2490E75F-6705-428B-9A46-4B71074272DD}"/>
+              </a:ext>
+            </a:extLst>
+          </p:cNvPr>
+          <p:cNvPicPr>
+            <a:picLocks noChangeAspect="1" noChangeArrowheads="1"/>
+          </p:cNvPicPr>
+          <p:nvPr/>
+        </p:nvPicPr>
+        <p:blipFill>
+          <a:blip r:embed="rId4">
+            <a:extLst>
+              <a:ext uri="{28A0092B-C50C-407E-A947-70E740481C1C}">
+                <a14:useLocalDpi xmlns:a14="http://schemas.microsoft.com/office/drawing/2010/main" val="0"/>
+              </a:ext>
+            </a:extLst>
+          </a:blip>
+          <a:srcRect/>
+          <a:stretch>
+            <a:fillRect/>
+          </a:stretch>
+        </p:blipFill>
+        <p:spPr bwMode="auto">
+          <a:xfrm>
+            <a:off x="8303549" y="2267383"/>
+            <a:ext cx="3050251" cy="2126932"/>
+          </a:xfrm>
+          <a:prstGeom prst="rect">
+            <a:avLst/>
+          </a:prstGeom>
+          <a:noFill/>
+          <a:effectLst>
+            <a:innerShdw blurRad="114300">
+              <a:prstClr val="black"/>
+            </a:innerShdw>
+          </a:effectLst>
+          <a:extLst>
+            <a:ext uri="{909E8E84-426E-40DD-AFC4-6F175D3DCCD1}">
+              <a14:hiddenFill xmlns:a14="http://schemas.microsoft.com/office/drawing/2010/main">
+                <a:solidFill>
+                  <a:srgbClr val="FFFFFF"/>
+                </a:solidFill>
+              </a14:hiddenFill>
+            </a:ext>
+          </a:extLst>
+        </p:spPr>
+      </p:pic>
+      <p:pic>
+        <p:nvPicPr>
+          <p:cNvPr id="2058" name="Picture 10" descr="Resultado de imagen para cmd python">
+            <a:extLst>
+              <a:ext uri="{FF2B5EF4-FFF2-40B4-BE49-F238E27FC236}">
+                <a16:creationId xmlns:a16="http://schemas.microsoft.com/office/drawing/2014/main" id="{E28070D6-DB89-416D-91E4-D31F9FFC4761}"/>
+              </a:ext>
+            </a:extLst>
+          </p:cNvPr>
+          <p:cNvPicPr>
+            <a:picLocks noChangeAspect="1" noChangeArrowheads="1"/>
+          </p:cNvPicPr>
+          <p:nvPr/>
+        </p:nvPicPr>
+        <p:blipFill>
+          <a:blip r:embed="rId5">
+            <a:extLst>
+              <a:ext uri="{28A0092B-C50C-407E-A947-70E740481C1C}">
+                <a14:useLocalDpi xmlns:a14="http://schemas.microsoft.com/office/drawing/2010/main" val="0"/>
+              </a:ext>
+            </a:extLst>
+          </a:blip>
+          <a:srcRect/>
+          <a:stretch>
+            <a:fillRect/>
+          </a:stretch>
+        </p:blipFill>
+        <p:spPr bwMode="auto">
+          <a:xfrm>
+            <a:off x="2779445" y="3854162"/>
+            <a:ext cx="5098624" cy="2507269"/>
+          </a:xfrm>
+          <a:prstGeom prst="rect">
+            <a:avLst/>
+          </a:prstGeom>
+          <a:noFill/>
+          <a:effectLst>
+            <a:innerShdw blurRad="114300">
+              <a:prstClr val="black"/>
+            </a:innerShdw>
+          </a:effectLst>
+          <a:extLst>
+            <a:ext uri="{909E8E84-426E-40DD-AFC4-6F175D3DCCD1}">
+              <a14:hiddenFill xmlns:a14="http://schemas.microsoft.com/office/drawing/2010/main">
+                <a:solidFill>
+                  <a:srgbClr val="FFFFFF"/>
+                </a:solidFill>
+              </a14:hiddenFill>
+            </a:ext>
+          </a:extLst>
+        </p:spPr>
+      </p:pic>
+      <p:sp>
+        <p:nvSpPr>
+          <p:cNvPr id="8" name="Título 1"/>
+          <p:cNvSpPr>
+            <a:spLocks noGrp="1"/>
+          </p:cNvSpPr>
+          <p:nvPr>
+            <p:ph type="title"/>
+          </p:nvPr>
+        </p:nvSpPr>
+        <p:spPr>
+          <a:xfrm>
+            <a:off x="1069848" y="484632"/>
+            <a:ext cx="10058400" cy="1609344"/>
+          </a:xfrm>
+        </p:spPr>
+        <p:txBody>
+          <a:bodyPr/>
+          <a:lstStyle/>
+          <a:p>
+            <a:r>
+              <a:rPr lang="es-CO" dirty="0" smtClean="0"/>
+              <a:t>Python	</a:t>
+            </a:r>
+            <a:endParaRPr lang="es-CO" dirty="0"/>
+          </a:p>
+        </p:txBody>
+      </p:sp>
+      <p:pic>
+        <p:nvPicPr>
+          <p:cNvPr id="10" name="Picture 2" descr="Resultado de imagen para python hacker">
+            <a:hlinkClick r:id="rId6"/>
+            <a:extLst>
+              <a:ext uri="{FF2B5EF4-FFF2-40B4-BE49-F238E27FC236}">
+                <a16:creationId xmlns:a16="http://schemas.microsoft.com/office/drawing/2014/main" id="{55CBE6CB-490C-4164-B1F8-A3EE2D7D6928}"/>
+              </a:ext>
+            </a:extLst>
+          </p:cNvPr>
+          <p:cNvPicPr>
+            <a:picLocks noChangeAspect="1" noChangeArrowheads="1"/>
+          </p:cNvPicPr>
+          <p:nvPr/>
+        </p:nvPicPr>
+        <p:blipFill>
+          <a:blip r:embed="rId7">
+            <a:extLst>
+              <a:ext uri="{28A0092B-C50C-407E-A947-70E740481C1C}">
+                <a14:useLocalDpi xmlns:a14="http://schemas.microsoft.com/office/drawing/2010/main" val="0"/>
+              </a:ext>
+            </a:extLst>
+          </a:blip>
+          <a:srcRect/>
+          <a:stretch>
+            <a:fillRect/>
+          </a:stretch>
+        </p:blipFill>
+        <p:spPr bwMode="auto">
+          <a:xfrm>
+            <a:off x="-48126" y="5151040"/>
+            <a:ext cx="1652337" cy="1706960"/>
+          </a:xfrm>
+          <a:prstGeom prst="rect">
+            <a:avLst/>
+          </a:prstGeom>
+          <a:noFill/>
+          <a:effectLst>
+            <a:outerShdw blurRad="50800" dist="50800" dir="5400000" algn="ctr" rotWithShape="0">
+              <a:schemeClr val="bg1">
+                <a:alpha val="0"/>
+              </a:schemeClr>
+            </a:outerShdw>
+            <a:softEdge rad="38100"/>
+          </a:effectLst>
+          <a:extLst>
+            <a:ext uri="{909E8E84-426E-40DD-AFC4-6F175D3DCCD1}">
+              <a14:hiddenFill xmlns:a14="http://schemas.microsoft.com/office/drawing/2010/main">
+                <a:solidFill>
+                  <a:srgbClr val="FFFFFF"/>
+                </a:solidFill>
+              </a14:hiddenFill>
+            </a:ext>
+          </a:extLst>
+        </p:spPr>
+      </p:pic>
+    </p:spTree>
+    <p:extLst>
+      <p:ext uri="{BB962C8B-B14F-4D97-AF65-F5344CB8AC3E}">
+        <p14:creationId xmlns:p14="http://schemas.microsoft.com/office/powerpoint/2010/main" val="1996434901"/>
+      </p:ext>
+    </p:extLst>
+  </p:cSld>
+  <p:clrMapOvr>
+    <a:masterClrMapping/>
+  </p:clrMapOvr>
+  <p:timing>
+    <p:tnLst>
+      <p:par>
+        <p:cTn id="1" dur="indefinite" restart="never" nodeType="tmRoot"/>
+      </p:par>
+    </p:tnLst>
+  </p:timing>
+</p:sld>
+</file>
+
+<file path=ppt/slides/slide12.xml><?xml version="1.0" encoding="utf-8"?>
+<p:sld xmlns:a="http://schemas.openxmlformats.org/drawingml/2006/main" xmlns:r="http://schemas.openxmlformats.org/officeDocument/2006/relationships" xmlns:p="http://schemas.openxmlformats.org/presentationml/2006/main">
+  <p:cSld>
+    <p:spTree>
+      <p:nvGrpSpPr>
+        <p:cNvPr id="1" name=""/>
+        <p:cNvGrpSpPr/>
+        <p:nvPr/>
+      </p:nvGrpSpPr>
+      <p:grpSpPr>
+        <a:xfrm>
+          <a:off x="0" y="0"/>
+          <a:ext cx="0" cy="0"/>
+          <a:chOff x="0" y="0"/>
+          <a:chExt cx="0" cy="0"/>
+        </a:xfrm>
+      </p:grpSpPr>
+      <p:sp>
+        <p:nvSpPr>
+          <p:cNvPr id="2" name="Título 1"/>
+          <p:cNvSpPr>
+            <a:spLocks noGrp="1"/>
+          </p:cNvSpPr>
+          <p:nvPr>
+            <p:ph type="title"/>
+          </p:nvPr>
+        </p:nvSpPr>
+        <p:spPr/>
+        <p:txBody>
+          <a:bodyPr/>
+          <a:lstStyle/>
+          <a:p>
+            <a:r>
+              <a:rPr lang="es-CO" dirty="0" smtClean="0"/>
+              <a:t>estructuras</a:t>
+            </a:r>
+            <a:endParaRPr lang="es-CO" dirty="0"/>
+          </a:p>
+        </p:txBody>
+      </p:sp>
+      <p:sp>
+        <p:nvSpPr>
+          <p:cNvPr id="3" name="Marcador de contenido 2"/>
+          <p:cNvSpPr>
+            <a:spLocks noGrp="1"/>
+          </p:cNvSpPr>
+          <p:nvPr>
+            <p:ph idx="1"/>
+          </p:nvPr>
+        </p:nvSpPr>
+        <p:spPr/>
+        <p:txBody>
+          <a:bodyPr/>
+          <a:lstStyle/>
+          <a:p>
+            <a:r>
+              <a:rPr lang="es-CO" dirty="0" smtClean="0"/>
+              <a:t>Todo lo que procesamos en Python es considerado como objeto</a:t>
+            </a:r>
+            <a:endParaRPr lang="es-CO" dirty="0"/>
+          </a:p>
+        </p:txBody>
+      </p:sp>
+      <p:sp>
+        <p:nvSpPr>
+          <p:cNvPr id="4" name="Marcador de número de diapositiva 3"/>
+          <p:cNvSpPr>
+            <a:spLocks noGrp="1"/>
+          </p:cNvSpPr>
+          <p:nvPr>
+            <p:ph type="sldNum" sz="quarter" idx="12"/>
+          </p:nvPr>
+        </p:nvSpPr>
+        <p:spPr/>
+        <p:txBody>
+          <a:bodyPr/>
+          <a:lstStyle/>
+          <a:p>
+            <a:fld id="{C5E5B3A9-79B5-4540-A326-FCC6F92DD987}" type="slidenum">
+              <a:rPr lang="es-CO" smtClean="0"/>
+              <a:t>12</a:t>
+            </a:fld>
+            <a:endParaRPr lang="es-CO"/>
+          </a:p>
+        </p:txBody>
+      </p:sp>
+      <p:pic>
+        <p:nvPicPr>
+          <p:cNvPr id="5" name="Imagen 4"/>
+          <p:cNvPicPr>
+            <a:picLocks noChangeAspect="1"/>
+          </p:cNvPicPr>
+          <p:nvPr/>
+        </p:nvPicPr>
+        <p:blipFill>
+          <a:blip r:embed="rId2"/>
+          <a:stretch>
+            <a:fillRect/>
+          </a:stretch>
+        </p:blipFill>
+        <p:spPr>
+          <a:xfrm>
+            <a:off x="3232023" y="2799207"/>
+            <a:ext cx="5734050" cy="3400425"/>
+          </a:xfrm>
+          <a:prstGeom prst="rect">
+            <a:avLst/>
+          </a:prstGeom>
+        </p:spPr>
+      </p:pic>
+    </p:spTree>
+    <p:extLst>
+      <p:ext uri="{BB962C8B-B14F-4D97-AF65-F5344CB8AC3E}">
+        <p14:creationId xmlns:p14="http://schemas.microsoft.com/office/powerpoint/2010/main" val="4253407001"/>
+      </p:ext>
+    </p:extLst>
+  </p:cSld>
+  <p:clrMapOvr>
+    <a:masterClrMapping/>
+  </p:clrMapOvr>
+</p:sld>
+</file>
+
+<file path=ppt/slides/slide13.xml><?xml version="1.0" encoding="utf-8"?>
+<p:sld xmlns:a="http://schemas.openxmlformats.org/drawingml/2006/main" xmlns:r="http://schemas.openxmlformats.org/officeDocument/2006/relationships" xmlns:p="http://schemas.openxmlformats.org/presentationml/2006/main">
+  <p:cSld>
+    <p:spTree>
+      <p:nvGrpSpPr>
+        <p:cNvPr id="1" name=""/>
+        <p:cNvGrpSpPr/>
+        <p:nvPr/>
+      </p:nvGrpSpPr>
+      <p:grpSpPr>
+        <a:xfrm>
+          <a:off x="0" y="0"/>
+          <a:ext cx="0" cy="0"/>
+          <a:chOff x="0" y="0"/>
+          <a:chExt cx="0" cy="0"/>
+        </a:xfrm>
+      </p:grpSpPr>
+      <p:sp>
+        <p:nvSpPr>
+          <p:cNvPr id="2" name="Título 1"/>
+          <p:cNvSpPr>
+            <a:spLocks noGrp="1"/>
+          </p:cNvSpPr>
+          <p:nvPr>
+            <p:ph type="title"/>
+          </p:nvPr>
+        </p:nvSpPr>
+        <p:spPr/>
+        <p:txBody>
+          <a:bodyPr/>
+          <a:lstStyle/>
+          <a:p>
+            <a:r>
+              <a:rPr lang="es-CO" dirty="0" smtClean="0"/>
+              <a:t>Bibliografía</a:t>
+            </a:r>
+            <a:endParaRPr lang="es-CO" dirty="0"/>
+          </a:p>
+        </p:txBody>
+      </p:sp>
+      <p:sp>
+        <p:nvSpPr>
+          <p:cNvPr id="3" name="Marcador de contenido 2"/>
+          <p:cNvSpPr>
+            <a:spLocks noGrp="1"/>
+          </p:cNvSpPr>
+          <p:nvPr>
+            <p:ph idx="1"/>
+          </p:nvPr>
+        </p:nvSpPr>
+        <p:spPr/>
+        <p:txBody>
+          <a:bodyPr/>
+          <a:lstStyle/>
+          <a:p>
+            <a:r>
+              <a:rPr lang="en-US" dirty="0"/>
+              <a:t>Lutz, M. (2013). </a:t>
+            </a:r>
+            <a:r>
+              <a:rPr lang="en-US" i="1" dirty="0"/>
+              <a:t>Learning Python: Powerful Object-Oriented Programming</a:t>
+            </a:r>
+            <a:r>
+              <a:rPr lang="en-US" dirty="0"/>
+              <a:t>. " O'Reilly Media, Inc.".</a:t>
+            </a:r>
+            <a:endParaRPr lang="es-CO" dirty="0"/>
+          </a:p>
+        </p:txBody>
+      </p:sp>
+      <p:sp>
+        <p:nvSpPr>
+          <p:cNvPr id="4" name="Marcador de número de diapositiva 3"/>
+          <p:cNvSpPr>
+            <a:spLocks noGrp="1"/>
+          </p:cNvSpPr>
+          <p:nvPr>
+            <p:ph type="sldNum" sz="quarter" idx="12"/>
+          </p:nvPr>
+        </p:nvSpPr>
+        <p:spPr/>
+        <p:txBody>
+          <a:bodyPr/>
+          <a:lstStyle/>
+          <a:p>
+            <a:fld id="{C5E5B3A9-79B5-4540-A326-FCC6F92DD987}" type="slidenum">
+              <a:rPr lang="es-CO" smtClean="0"/>
+              <a:t>13</a:t>
+            </a:fld>
+            <a:endParaRPr lang="es-CO"/>
+          </a:p>
+        </p:txBody>
+      </p:sp>
+    </p:spTree>
+    <p:extLst>
+      <p:ext uri="{BB962C8B-B14F-4D97-AF65-F5344CB8AC3E}">
+        <p14:creationId xmlns:p14="http://schemas.microsoft.com/office/powerpoint/2010/main" val="2219632023"/>
+      </p:ext>
+    </p:extLst>
+  </p:cSld>
+  <p:clrMapOvr>
+    <a:masterClrMapping/>
+  </p:clrMapOvr>
+  <p:timing>
+    <p:tnLst>
+      <p:par>
+        <p:cTn id="1" dur="indefinite" restart="never" nodeType="tmRoot"/>
+      </p:par>
+    </p:tnLst>
+  </p:timing>
+</p:sld>
+</file>
+
 <file path=ppt/slides/slide2.xml><?xml version="1.0" encoding="utf-8"?>
 <p:sld xmlns:a="http://schemas.openxmlformats.org/drawingml/2006/main" xmlns:r="http://schemas.openxmlformats.org/officeDocument/2006/relationships" xmlns:p="http://schemas.openxmlformats.org/presentationml/2006/main">
   <p:cSld>
@@ -4639,7 +5485,7 @@
           <a:p>
             <a:r>
               <a:rPr lang="es-CO" dirty="0" smtClean="0"/>
-              <a:t>Python</a:t>
+              <a:t>competencias</a:t>
             </a:r>
             <a:endParaRPr lang="es-CO" dirty="0"/>
           </a:p>
@@ -4657,53 +5503,49 @@
         </p:nvSpPr>
         <p:spPr/>
         <p:txBody>
-          <a:bodyPr/>
+          <a:bodyPr>
+            <a:normAutofit/>
+          </a:bodyPr>
           <a:lstStyle/>
           <a:p>
             <a:r>
-              <a:rPr lang="es-CO" dirty="0" smtClean="0"/>
-              <a:t>Es un lenguaje popular orientado a objetos</a:t>
-            </a:r>
-          </a:p>
-          <a:p>
-            <a:r>
-              <a:rPr lang="es-CO" dirty="0" smtClean="0"/>
-              <a:t>Es un lenguaje de libre acceso</a:t>
-            </a:r>
-          </a:p>
-          <a:p>
-            <a:r>
-              <a:rPr lang="es-CO" dirty="0" smtClean="0"/>
-              <a:t>Puede ser utilizado para el desarrollo de programas </a:t>
-            </a:r>
-            <a:r>
-              <a:rPr lang="es-CO" dirty="0" err="1" smtClean="0"/>
-              <a:t>standalone</a:t>
-            </a:r>
-            <a:r>
-              <a:rPr lang="es-CO" dirty="0" smtClean="0"/>
-              <a:t> y scripts que pueden ser aplicados a muchos contextos o problemas.</a:t>
-            </a:r>
-          </a:p>
-          <a:p>
-            <a:r>
-              <a:rPr lang="es-CO" dirty="0"/>
-              <a:t>No es </a:t>
-            </a:r>
-            <a:r>
-              <a:rPr lang="es-CO" dirty="0" smtClean="0"/>
-              <a:t>lenguaje tan </a:t>
-            </a:r>
-            <a:r>
-              <a:rPr lang="es-CO" dirty="0"/>
-              <a:t>rápido como C y C++</a:t>
-            </a:r>
-          </a:p>
-          <a:p>
-            <a:endParaRPr lang="es-CO" dirty="0" smtClean="0"/>
-          </a:p>
-          <a:p>
-            <a:endParaRPr lang="es-CO" dirty="0"/>
+              <a:rPr lang="es-MX" sz="2500" dirty="0" smtClean="0"/>
+              <a:t>Describir </a:t>
+            </a:r>
+            <a:r>
+              <a:rPr lang="es-MX" sz="2500" dirty="0"/>
+              <a:t>el lenguaje de programación Python y su aplicación en proyectos de inteligencia artificial. </a:t>
+            </a:r>
+          </a:p>
+          <a:p>
+            <a:r>
+              <a:rPr lang="es-MX" sz="2500" dirty="0" smtClean="0"/>
+              <a:t>Utilizar </a:t>
+            </a:r>
+            <a:r>
+              <a:rPr lang="es-MX" sz="2500" dirty="0"/>
+              <a:t>el entorno de trabajo </a:t>
+            </a:r>
+            <a:r>
+              <a:rPr lang="es-MX" sz="2500" dirty="0" err="1"/>
+              <a:t>Jupyter</a:t>
+            </a:r>
+            <a:r>
+              <a:rPr lang="es-MX" sz="2500" dirty="0"/>
+              <a:t> Notebook. </a:t>
+            </a:r>
+            <a:endParaRPr lang="es-MX" sz="2500" dirty="0" smtClean="0"/>
+          </a:p>
+          <a:p>
+            <a:r>
+              <a:rPr lang="es-MX" sz="2500" dirty="0" smtClean="0"/>
+              <a:t>Utilizar </a:t>
+            </a:r>
+            <a:r>
+              <a:rPr lang="es-MX" sz="2500" dirty="0"/>
+              <a:t>GitHub para el control de versiones de proyectos de software.</a:t>
+            </a:r>
+            <a:endParaRPr lang="es-CO" sz="2500" dirty="0"/>
           </a:p>
         </p:txBody>
       </p:sp>
@@ -4725,6 +5567,151 @@
             <a:fld id="{C5E5B3A9-79B5-4540-A326-FCC6F92DD987}" type="slidenum">
               <a:rPr lang="es-CO" smtClean="0"/>
               <a:t>2</a:t>
+            </a:fld>
+            <a:endParaRPr lang="es-CO"/>
+          </a:p>
+        </p:txBody>
+      </p:sp>
+    </p:spTree>
+    <p:extLst>
+      <p:ext uri="{BB962C8B-B14F-4D97-AF65-F5344CB8AC3E}">
+        <p14:creationId xmlns:p14="http://schemas.microsoft.com/office/powerpoint/2010/main" val="9666194"/>
+      </p:ext>
+    </p:extLst>
+  </p:cSld>
+  <p:clrMapOvr>
+    <a:masterClrMapping/>
+  </p:clrMapOvr>
+  <p:timing>
+    <p:tnLst>
+      <p:par>
+        <p:cTn id="1" dur="indefinite" restart="never" nodeType="tmRoot"/>
+      </p:par>
+    </p:tnLst>
+  </p:timing>
+</p:sld>
+</file>
+
+<file path=ppt/slides/slide3.xml><?xml version="1.0" encoding="utf-8"?>
+<p:sld xmlns:a="http://schemas.openxmlformats.org/drawingml/2006/main" xmlns:r="http://schemas.openxmlformats.org/officeDocument/2006/relationships" xmlns:p="http://schemas.openxmlformats.org/presentationml/2006/main">
+  <p:cSld>
+    <p:spTree>
+      <p:nvGrpSpPr>
+        <p:cNvPr id="1" name=""/>
+        <p:cNvGrpSpPr/>
+        <p:nvPr/>
+      </p:nvGrpSpPr>
+      <p:grpSpPr>
+        <a:xfrm>
+          <a:off x="0" y="0"/>
+          <a:ext cx="0" cy="0"/>
+          <a:chOff x="0" y="0"/>
+          <a:chExt cx="0" cy="0"/>
+        </a:xfrm>
+      </p:grpSpPr>
+      <p:sp>
+        <p:nvSpPr>
+          <p:cNvPr id="2" name="Título 1"/>
+          <p:cNvSpPr>
+            <a:spLocks noGrp="1"/>
+          </p:cNvSpPr>
+          <p:nvPr>
+            <p:ph type="title"/>
+          </p:nvPr>
+        </p:nvSpPr>
+        <p:spPr/>
+        <p:txBody>
+          <a:bodyPr/>
+          <a:lstStyle/>
+          <a:p>
+            <a:r>
+              <a:rPr lang="es-CO" dirty="0" smtClean="0"/>
+              <a:t>Python</a:t>
+            </a:r>
+            <a:endParaRPr lang="es-CO" dirty="0"/>
+          </a:p>
+        </p:txBody>
+      </p:sp>
+      <p:sp>
+        <p:nvSpPr>
+          <p:cNvPr id="3" name="Marcador de contenido 2"/>
+          <p:cNvSpPr>
+            <a:spLocks noGrp="1"/>
+          </p:cNvSpPr>
+          <p:nvPr>
+            <p:ph idx="1"/>
+          </p:nvPr>
+        </p:nvSpPr>
+        <p:spPr/>
+        <p:txBody>
+          <a:bodyPr/>
+          <a:lstStyle/>
+          <a:p>
+            <a:r>
+              <a:rPr lang="es-CO" dirty="0" smtClean="0"/>
+              <a:t>Es un lenguaje popular orientado a objetos</a:t>
+            </a:r>
+          </a:p>
+          <a:p>
+            <a:r>
+              <a:rPr lang="es-CO" dirty="0" smtClean="0"/>
+              <a:t>Es un lenguaje de libre acceso</a:t>
+            </a:r>
+          </a:p>
+          <a:p>
+            <a:r>
+              <a:rPr lang="es-CO" dirty="0" smtClean="0"/>
+              <a:t>Puede ser utilizado para el desarrollo de programas </a:t>
+            </a:r>
+            <a:r>
+              <a:rPr lang="es-CO" dirty="0" err="1" smtClean="0"/>
+              <a:t>standalone</a:t>
+            </a:r>
+            <a:r>
+              <a:rPr lang="es-CO" dirty="0" smtClean="0"/>
+              <a:t> y scripts que pueden ser aplicados a muchos contextos o problemas.</a:t>
+            </a:r>
+          </a:p>
+          <a:p>
+            <a:r>
+              <a:rPr lang="es-CO" dirty="0"/>
+              <a:t>No es </a:t>
+            </a:r>
+            <a:r>
+              <a:rPr lang="es-CO" dirty="0" smtClean="0"/>
+              <a:t>lenguaje tan </a:t>
+            </a:r>
+            <a:r>
+              <a:rPr lang="es-CO" dirty="0"/>
+              <a:t>rápido como C y C++</a:t>
+            </a:r>
+          </a:p>
+          <a:p>
+            <a:endParaRPr lang="es-CO" dirty="0" smtClean="0"/>
+          </a:p>
+          <a:p>
+            <a:endParaRPr lang="es-CO" dirty="0"/>
+          </a:p>
+        </p:txBody>
+      </p:sp>
+      <p:sp>
+        <p:nvSpPr>
+          <p:cNvPr id="4" name="Marcador de número de diapositiva 3"/>
+          <p:cNvSpPr>
+            <a:spLocks noGrp="1"/>
+          </p:cNvSpPr>
+          <p:nvPr>
+            <p:ph type="sldNum" sz="quarter" idx="12"/>
+          </p:nvPr>
+        </p:nvSpPr>
+        <p:spPr/>
+        <p:txBody>
+          <a:bodyPr/>
+          <a:lstStyle/>
+          <a:p>
+            <a:fld id="{C5E5B3A9-79B5-4540-A326-FCC6F92DD987}" type="slidenum">
+              <a:rPr lang="es-CO" smtClean="0"/>
+              <a:t>3</a:t>
             </a:fld>
             <a:endParaRPr lang="es-CO"/>
           </a:p>
@@ -4849,7 +5836,7 @@
 </p:sld>
 </file>
 
-<file path=ppt/slides/slide3.xml><?xml version="1.0" encoding="utf-8"?>
+<file path=ppt/slides/slide4.xml><?xml version="1.0" encoding="utf-8"?>
 <p:sld xmlns:a="http://schemas.openxmlformats.org/drawingml/2006/main" xmlns:r="http://schemas.openxmlformats.org/officeDocument/2006/relationships" xmlns:p="http://schemas.openxmlformats.org/presentationml/2006/main">
   <p:cSld>
     <p:spTree>
@@ -4946,7 +5933,7 @@
           <a:p>
             <a:fld id="{C5E5B3A9-79B5-4540-A326-FCC6F92DD987}" type="slidenum">
               <a:rPr lang="es-CO" smtClean="0"/>
-              <a:t>3</a:t>
+              <a:t>4</a:t>
             </a:fld>
             <a:endParaRPr lang="es-CO"/>
           </a:p>
@@ -5165,7 +6152,7 @@
 </p:sld>
 </file>
 
-<file path=ppt/slides/slide4.xml><?xml version="1.0" encoding="utf-8"?>
+<file path=ppt/slides/slide5.xml><?xml version="1.0" encoding="utf-8"?>
 <p:sld xmlns:a="http://schemas.openxmlformats.org/drawingml/2006/main" xmlns:r="http://schemas.openxmlformats.org/officeDocument/2006/relationships" xmlns:p="http://schemas.openxmlformats.org/presentationml/2006/main">
   <p:cSld>
     <p:spTree>
@@ -5184,12 +6171,18 @@
       </p:grpSpPr>
       <p:sp>
         <p:nvSpPr>
-          <p:cNvPr id="2" name="Título 1"/>
-          <p:cNvSpPr>
-            <a:spLocks noGrp="1"/>
-          </p:cNvSpPr>
-          <p:nvPr>
-            <p:ph type="title"/>
+          <p:cNvPr id="3" name="Marcador de contenido 2">
+            <a:extLst>
+              <a:ext uri="{FF2B5EF4-FFF2-40B4-BE49-F238E27FC236}">
+                <a16:creationId xmlns:a16="http://schemas.microsoft.com/office/drawing/2014/main" id="{6A647F4E-5A61-4DB2-9C8C-A01918D1B1C4}"/>
+              </a:ext>
+            </a:extLst>
+          </p:cNvPr>
+          <p:cNvSpPr>
+            <a:spLocks noGrp="1"/>
+          </p:cNvSpPr>
+          <p:nvPr>
+            <p:ph idx="1"/>
           </p:nvPr>
         </p:nvSpPr>
         <p:spPr/>
@@ -5198,6 +6191,170 @@
           <a:lstStyle/>
           <a:p>
             <a:r>
+              <a:rPr lang="es-CO" sz="2600" dirty="0" smtClean="0"/>
+              <a:t>Es un lenguaje orientado a objetos</a:t>
+            </a:r>
+          </a:p>
+          <a:p>
+            <a:r>
+              <a:rPr lang="es-CO" sz="2600" dirty="0" smtClean="0"/>
+              <a:t>Es </a:t>
+            </a:r>
+            <a:r>
+              <a:rPr lang="es-CO" sz="2600" i="1" dirty="0" smtClean="0"/>
+              <a:t>open </a:t>
+            </a:r>
+            <a:r>
+              <a:rPr lang="es-CO" sz="2600" i="1" dirty="0" err="1" smtClean="0"/>
+              <a:t>source</a:t>
+            </a:r>
+            <a:r>
+              <a:rPr lang="es-CO" sz="2600" i="1" dirty="0" smtClean="0"/>
+              <a:t>.</a:t>
+            </a:r>
+            <a:endParaRPr lang="es-CO" sz="2600" dirty="0"/>
+          </a:p>
+          <a:p>
+            <a:r>
+              <a:rPr lang="es-CO" sz="2600" dirty="0" smtClean="0"/>
+              <a:t>Es portable.</a:t>
+            </a:r>
+            <a:endParaRPr lang="es-CO" sz="2600" dirty="0"/>
+          </a:p>
+          <a:p>
+            <a:r>
+              <a:rPr lang="es-CO" sz="2600" dirty="0" smtClean="0"/>
+              <a:t>Tiene una comunidad de expertos que día a día trabaja en nuevas utilidades</a:t>
+            </a:r>
+            <a:r>
+              <a:rPr lang="es-CO" dirty="0" smtClean="0"/>
+              <a:t>.</a:t>
+            </a:r>
+            <a:endParaRPr lang="es-CO" dirty="0"/>
+          </a:p>
+          <a:p>
+            <a:endParaRPr lang="es-CO" dirty="0"/>
+          </a:p>
+          <a:p>
+            <a:endParaRPr lang="es-CO" dirty="0" smtClean="0">
+              <a:solidFill>
+                <a:schemeClr val="bg1"/>
+              </a:solidFill>
+              <a:latin typeface="Berlin Sans FB Demi" panose="020E0802020502020306" pitchFamily="34" charset="0"/>
+            </a:endParaRPr>
+          </a:p>
+          <a:p>
+            <a:endParaRPr lang="es-CO" dirty="0" smtClean="0">
+              <a:solidFill>
+                <a:schemeClr val="bg1"/>
+              </a:solidFill>
+              <a:latin typeface="Berlin Sans FB Demi" panose="020E0802020502020306" pitchFamily="34" charset="0"/>
+            </a:endParaRPr>
+          </a:p>
+          <a:p>
+            <a:endParaRPr lang="es-CO" dirty="0">
+              <a:solidFill>
+                <a:schemeClr val="bg1"/>
+              </a:solidFill>
+              <a:latin typeface="Berlin Sans FB Demi" panose="020E0802020502020306" pitchFamily="34" charset="0"/>
+            </a:endParaRPr>
+          </a:p>
+          <a:p>
+            <a:endParaRPr lang="es-CO" dirty="0"/>
+          </a:p>
+        </p:txBody>
+      </p:sp>
+      <p:sp>
+        <p:nvSpPr>
+          <p:cNvPr id="4" name="Marcador de número de diapositiva 3">
+            <a:extLst>
+              <a:ext uri="{FF2B5EF4-FFF2-40B4-BE49-F238E27FC236}">
+                <a16:creationId xmlns:a16="http://schemas.microsoft.com/office/drawing/2014/main" id="{EA221394-0EBB-4640-84DA-F1D36ECD6047}"/>
+              </a:ext>
+            </a:extLst>
+          </p:cNvPr>
+          <p:cNvSpPr>
+            <a:spLocks noGrp="1"/>
+          </p:cNvSpPr>
+          <p:nvPr>
+            <p:ph type="sldNum" sz="quarter" idx="12"/>
+          </p:nvPr>
+        </p:nvSpPr>
+        <p:spPr/>
+        <p:txBody>
+          <a:bodyPr/>
+          <a:lstStyle/>
+          <a:p>
+            <a:fld id="{FF3034EF-BFAE-4255-A656-297DAB7FEC3B}" type="slidenum">
+              <a:rPr lang="es-CO" smtClean="0"/>
+              <a:t>5</a:t>
+            </a:fld>
+            <a:endParaRPr lang="es-CO"/>
+          </a:p>
+        </p:txBody>
+      </p:sp>
+      <p:pic>
+        <p:nvPicPr>
+          <p:cNvPr id="1026" name="Picture 2" descr="Resultado de imagen para it is free"/>
+          <p:cNvPicPr>
+            <a:picLocks noChangeAspect="1" noChangeArrowheads="1"/>
+          </p:cNvPicPr>
+          <p:nvPr/>
+        </p:nvPicPr>
+        <p:blipFill>
+          <a:blip r:embed="rId2">
+            <a:extLst>
+              <a:ext uri="{28A0092B-C50C-407E-A947-70E740481C1C}">
+                <a14:useLocalDpi xmlns:a14="http://schemas.microsoft.com/office/drawing/2010/main" val="0"/>
+              </a:ext>
+            </a:extLst>
+          </a:blip>
+          <a:srcRect/>
+          <a:stretch>
+            <a:fillRect/>
+          </a:stretch>
+        </p:blipFill>
+        <p:spPr bwMode="auto">
+          <a:xfrm>
+            <a:off x="7448877" y="4989084"/>
+            <a:ext cx="3792296" cy="1648825"/>
+          </a:xfrm>
+          <a:prstGeom prst="rect">
+            <a:avLst/>
+          </a:prstGeom>
+          <a:noFill/>
+          <a:extLst>
+            <a:ext uri="{909E8E84-426E-40DD-AFC4-6F175D3DCCD1}">
+              <a14:hiddenFill xmlns:a14="http://schemas.microsoft.com/office/drawing/2010/main">
+                <a:solidFill>
+                  <a:srgbClr val="FFFFFF"/>
+                </a:solidFill>
+              </a14:hiddenFill>
+            </a:ext>
+          </a:extLst>
+        </p:spPr>
+      </p:pic>
+      <p:sp>
+        <p:nvSpPr>
+          <p:cNvPr id="6" name="Título 1"/>
+          <p:cNvSpPr>
+            <a:spLocks noGrp="1"/>
+          </p:cNvSpPr>
+          <p:nvPr>
+            <p:ph type="title"/>
+          </p:nvPr>
+        </p:nvSpPr>
+        <p:spPr>
+          <a:xfrm>
+            <a:off x="1069848" y="484632"/>
+            <a:ext cx="10058400" cy="1609344"/>
+          </a:xfrm>
+        </p:spPr>
+        <p:txBody>
+          <a:bodyPr/>
+          <a:lstStyle/>
+          <a:p>
+            <a:r>
               <a:rPr lang="es-CO" dirty="0" smtClean="0"/>
               <a:t>Python</a:t>
             </a:r>
@@ -5205,14 +6362,172 @@
           </a:p>
         </p:txBody>
       </p:sp>
-      <p:sp>
-        <p:nvSpPr>
-          <p:cNvPr id="3" name="Marcador de contenido 2"/>
-          <p:cNvSpPr>
-            <a:spLocks noGrp="1"/>
-          </p:cNvSpPr>
-          <p:nvPr>
-            <p:ph idx="1"/>
+      <p:pic>
+        <p:nvPicPr>
+          <p:cNvPr id="7" name="Picture 2" descr="Resultado de imagen para python hacker">
+            <a:hlinkClick r:id="rId3"/>
+            <a:extLst>
+              <a:ext uri="{FF2B5EF4-FFF2-40B4-BE49-F238E27FC236}">
+                <a16:creationId xmlns:a16="http://schemas.microsoft.com/office/drawing/2014/main" id="{55CBE6CB-490C-4164-B1F8-A3EE2D7D6928}"/>
+              </a:ext>
+            </a:extLst>
+          </p:cNvPr>
+          <p:cNvPicPr>
+            <a:picLocks noChangeAspect="1" noChangeArrowheads="1"/>
+          </p:cNvPicPr>
+          <p:nvPr/>
+        </p:nvPicPr>
+        <p:blipFill>
+          <a:blip r:embed="rId4">
+            <a:extLst>
+              <a:ext uri="{28A0092B-C50C-407E-A947-70E740481C1C}">
+                <a14:useLocalDpi xmlns:a14="http://schemas.microsoft.com/office/drawing/2010/main" val="0"/>
+              </a:ext>
+            </a:extLst>
+          </a:blip>
+          <a:srcRect/>
+          <a:stretch>
+            <a:fillRect/>
+          </a:stretch>
+        </p:blipFill>
+        <p:spPr bwMode="auto">
+          <a:xfrm>
+            <a:off x="-48126" y="5151040"/>
+            <a:ext cx="1652337" cy="1706960"/>
+          </a:xfrm>
+          <a:prstGeom prst="rect">
+            <a:avLst/>
+          </a:prstGeom>
+          <a:noFill/>
+          <a:effectLst>
+            <a:outerShdw blurRad="50800" dist="50800" dir="5400000" algn="ctr" rotWithShape="0">
+              <a:schemeClr val="bg1"/>
+            </a:outerShdw>
+          </a:effectLst>
+          <a:extLst>
+            <a:ext uri="{909E8E84-426E-40DD-AFC4-6F175D3DCCD1}">
+              <a14:hiddenFill xmlns:a14="http://schemas.microsoft.com/office/drawing/2010/main">
+                <a:solidFill>
+                  <a:srgbClr val="FFFFFF"/>
+                </a:solidFill>
+              </a14:hiddenFill>
+            </a:ext>
+          </a:extLst>
+        </p:spPr>
+      </p:pic>
+    </p:spTree>
+    <p:extLst>
+      <p:ext uri="{BB962C8B-B14F-4D97-AF65-F5344CB8AC3E}">
+        <p14:creationId xmlns:p14="http://schemas.microsoft.com/office/powerpoint/2010/main" val="2739741948"/>
+      </p:ext>
+    </p:extLst>
+  </p:cSld>
+  <p:clrMapOvr>
+    <a:masterClrMapping/>
+  </p:clrMapOvr>
+  <p:timing>
+    <p:tnLst>
+      <p:par>
+        <p:cTn id="1" dur="indefinite" restart="never" nodeType="tmRoot">
+          <p:childTnLst>
+            <p:seq concurrent="1" nextAc="seek">
+              <p:cTn id="2" dur="indefinite" nodeType="mainSeq">
+                <p:childTnLst>
+                  <p:par>
+                    <p:cTn id="3" fill="hold">
+                      <p:stCondLst>
+                        <p:cond delay="indefinite"/>
+                      </p:stCondLst>
+                      <p:childTnLst>
+                        <p:par>
+                          <p:cTn id="4" fill="hold">
+                            <p:stCondLst>
+                              <p:cond delay="0"/>
+                            </p:stCondLst>
+                            <p:childTnLst>
+                              <p:par>
+                                <p:cTn id="5" presetID="1" presetClass="entr" presetSubtype="0" fill="hold" nodeType="clickEffect">
+                                  <p:stCondLst>
+                                    <p:cond delay="0"/>
+                                  </p:stCondLst>
+                                  <p:childTnLst>
+                                    <p:set>
+                                      <p:cBhvr>
+                                        <p:cTn id="6" dur="1" fill="hold">
+                                          <p:stCondLst>
+                                            <p:cond delay="0"/>
+                                          </p:stCondLst>
+                                        </p:cTn>
+                                        <p:tgtEl>
+                                          <p:spTgt spid="1026"/>
+                                        </p:tgtEl>
+                                        <p:attrNameLst>
+                                          <p:attrName>style.visibility</p:attrName>
+                                        </p:attrNameLst>
+                                      </p:cBhvr>
+                                      <p:to>
+                                        <p:strVal val="visible"/>
+                                      </p:to>
+                                    </p:set>
+                                  </p:childTnLst>
+                                </p:cTn>
+                              </p:par>
+                            </p:childTnLst>
+                          </p:cTn>
+                        </p:par>
+                      </p:childTnLst>
+                    </p:cTn>
+                  </p:par>
+                </p:childTnLst>
+              </p:cTn>
+              <p:prevCondLst>
+                <p:cond evt="onPrev" delay="0">
+                  <p:tgtEl>
+                    <p:sldTgt/>
+                  </p:tgtEl>
+                </p:cond>
+              </p:prevCondLst>
+              <p:nextCondLst>
+                <p:cond evt="onNext" delay="0">
+                  <p:tgtEl>
+                    <p:sldTgt/>
+                  </p:tgtEl>
+                </p:cond>
+              </p:nextCondLst>
+            </p:seq>
+          </p:childTnLst>
+        </p:cTn>
+      </p:par>
+    </p:tnLst>
+  </p:timing>
+</p:sld>
+</file>
+
+<file path=ppt/slides/slide6.xml><?xml version="1.0" encoding="utf-8"?>
+<p:sld xmlns:a="http://schemas.openxmlformats.org/drawingml/2006/main" xmlns:r="http://schemas.openxmlformats.org/officeDocument/2006/relationships" xmlns:p="http://schemas.openxmlformats.org/presentationml/2006/main">
+  <p:cSld>
+    <p:spTree>
+      <p:nvGrpSpPr>
+        <p:cNvPr id="1" name=""/>
+        <p:cNvGrpSpPr/>
+        <p:nvPr/>
+      </p:nvGrpSpPr>
+      <p:grpSpPr>
+        <a:xfrm>
+          <a:off x="0" y="0"/>
+          <a:ext cx="0" cy="0"/>
+          <a:chOff x="0" y="0"/>
+          <a:chExt cx="0" cy="0"/>
+        </a:xfrm>
+      </p:grpSpPr>
+      <p:sp>
+        <p:nvSpPr>
+          <p:cNvPr id="2" name="Título 1"/>
+          <p:cNvSpPr>
+            <a:spLocks noGrp="1"/>
+          </p:cNvSpPr>
+          <p:nvPr>
+            <p:ph type="title"/>
           </p:nvPr>
         </p:nvSpPr>
         <p:spPr/>
@@ -5220,6 +6535,29 @@
           <a:bodyPr/>
           <a:lstStyle/>
           <a:p>
+            <a:r>
+              <a:rPr lang="es-CO" dirty="0" smtClean="0"/>
+              <a:t>Python</a:t>
+            </a:r>
+            <a:endParaRPr lang="es-CO" dirty="0"/>
+          </a:p>
+        </p:txBody>
+      </p:sp>
+      <p:sp>
+        <p:nvSpPr>
+          <p:cNvPr id="3" name="Marcador de contenido 2"/>
+          <p:cNvSpPr>
+            <a:spLocks noGrp="1"/>
+          </p:cNvSpPr>
+          <p:nvPr>
+            <p:ph idx="1"/>
+          </p:nvPr>
+        </p:nvSpPr>
+        <p:spPr/>
+        <p:txBody>
+          <a:bodyPr/>
+          <a:lstStyle/>
+          <a:p>
             <a:pPr algn="just"/>
             <a:r>
               <a:rPr lang="es-CO" b="1" dirty="0" smtClean="0"/>
@@ -5320,7 +6658,7 @@
           <a:p>
             <a:fld id="{C5E5B3A9-79B5-4540-A326-FCC6F92DD987}" type="slidenum">
               <a:rPr lang="es-CO" smtClean="0"/>
-              <a:t>4</a:t>
+              <a:t>6</a:t>
             </a:fld>
             <a:endParaRPr lang="es-CO"/>
           </a:p>
@@ -5424,10 +6762,17 @@
   <p:clrMapOvr>
     <a:masterClrMapping/>
   </p:clrMapOvr>
+  <p:timing>
+    <p:tnLst>
+      <p:par>
+        <p:cTn id="1" dur="indefinite" restart="never" nodeType="tmRoot"/>
+      </p:par>
+    </p:tnLst>
+  </p:timing>
 </p:sld>
 </file>
 
-<file path=ppt/slides/slide5.xml><?xml version="1.0" encoding="utf-8"?>
+<file path=ppt/slides/slide7.xml><?xml version="1.0" encoding="utf-8"?>
 <p:sld xmlns:a="http://schemas.openxmlformats.org/drawingml/2006/main" xmlns:r="http://schemas.openxmlformats.org/officeDocument/2006/relationships" xmlns:p="http://schemas.openxmlformats.org/presentationml/2006/main">
   <p:cSld>
     <p:spTree>
@@ -5594,7 +6939,7 @@
           <a:p>
             <a:fld id="{C5E5B3A9-79B5-4540-A326-FCC6F92DD987}" type="slidenum">
               <a:rPr lang="es-CO" smtClean="0"/>
-              <a:t>5</a:t>
+              <a:t>7</a:t>
             </a:fld>
             <a:endParaRPr lang="es-CO"/>
           </a:p>
@@ -5666,10 +7011,17 @@
   <p:clrMapOvr>
     <a:masterClrMapping/>
   </p:clrMapOvr>
+  <p:timing>
+    <p:tnLst>
+      <p:par>
+        <p:cTn id="1" dur="indefinite" restart="never" nodeType="tmRoot"/>
+      </p:par>
+    </p:tnLst>
+  </p:timing>
 </p:sld>
 </file>
 
-<file path=ppt/slides/slide6.xml><?xml version="1.0" encoding="utf-8"?>
+<file path=ppt/slides/slide8.xml><?xml version="1.0" encoding="utf-8"?>
 <p:sld xmlns:a="http://schemas.openxmlformats.org/drawingml/2006/main" xmlns:r="http://schemas.openxmlformats.org/officeDocument/2006/relationships" xmlns:p="http://schemas.openxmlformats.org/presentationml/2006/main">
   <p:cSld>
     <p:spTree>
@@ -5688,12 +7040,18 @@
       </p:grpSpPr>
       <p:sp>
         <p:nvSpPr>
-          <p:cNvPr id="2" name="Título 1"/>
-          <p:cNvSpPr>
-            <a:spLocks noGrp="1"/>
-          </p:cNvSpPr>
-          <p:nvPr>
-            <p:ph type="title"/>
+          <p:cNvPr id="4" name="Marcador de número de diapositiva 3">
+            <a:extLst>
+              <a:ext uri="{FF2B5EF4-FFF2-40B4-BE49-F238E27FC236}">
+                <a16:creationId xmlns:a16="http://schemas.microsoft.com/office/drawing/2014/main" id="{EA221394-0EBB-4640-84DA-F1D36ECD6047}"/>
+              </a:ext>
+            </a:extLst>
+          </p:cNvPr>
+          <p:cNvSpPr>
+            <a:spLocks noGrp="1"/>
+          </p:cNvSpPr>
+          <p:nvPr>
+            <p:ph type="sldNum" sz="quarter" idx="12"/>
           </p:nvPr>
         </p:nvSpPr>
         <p:spPr/>
@@ -5701,78 +7059,291 @@
           <a:bodyPr/>
           <a:lstStyle/>
           <a:p>
-            <a:r>
-              <a:rPr lang="es-CO" dirty="0" smtClean="0"/>
-              <a:t>Bibliografía</a:t>
-            </a:r>
-            <a:endParaRPr lang="es-CO" dirty="0"/>
-          </a:p>
-        </p:txBody>
-      </p:sp>
-      <p:sp>
-        <p:nvSpPr>
-          <p:cNvPr id="3" name="Marcador de contenido 2"/>
-          <p:cNvSpPr>
-            <a:spLocks noGrp="1"/>
-          </p:cNvSpPr>
-          <p:nvPr>
-            <p:ph idx="1"/>
-          </p:nvPr>
-        </p:nvSpPr>
-        <p:spPr/>
+            <a:fld id="{FF3034EF-BFAE-4255-A656-297DAB7FEC3B}" type="slidenum">
+              <a:rPr lang="es-CO" smtClean="0"/>
+              <a:t>8</a:t>
+            </a:fld>
+            <a:endParaRPr lang="es-CO"/>
+          </a:p>
+        </p:txBody>
+      </p:sp>
+      <p:pic>
+        <p:nvPicPr>
+          <p:cNvPr id="6" name="Imagen 5"/>
+          <p:cNvPicPr>
+            <a:picLocks noChangeAspect="1"/>
+          </p:cNvPicPr>
+          <p:nvPr/>
+        </p:nvPicPr>
+        <p:blipFill>
+          <a:blip r:embed="rId2"/>
+          <a:stretch>
+            <a:fillRect/>
+          </a:stretch>
+        </p:blipFill>
+        <p:spPr>
+          <a:xfrm>
+            <a:off x="1207427" y="2032539"/>
+            <a:ext cx="2279161" cy="4323811"/>
+          </a:xfrm>
+          <a:prstGeom prst="rect">
+            <a:avLst/>
+          </a:prstGeom>
+          <a:effectLst>
+            <a:innerShdw blurRad="114300">
+              <a:prstClr val="black"/>
+            </a:innerShdw>
+          </a:effectLst>
+        </p:spPr>
+      </p:pic>
+      <p:pic>
+        <p:nvPicPr>
+          <p:cNvPr id="7" name="Imagen 6"/>
+          <p:cNvPicPr>
+            <a:picLocks noChangeAspect="1"/>
+          </p:cNvPicPr>
+          <p:nvPr/>
+        </p:nvPicPr>
+        <p:blipFill>
+          <a:blip r:embed="rId3"/>
+          <a:stretch>
+            <a:fillRect/>
+          </a:stretch>
+        </p:blipFill>
+        <p:spPr>
+          <a:xfrm>
+            <a:off x="4687202" y="2031628"/>
+            <a:ext cx="5659786" cy="4152194"/>
+          </a:xfrm>
+          <a:prstGeom prst="rect">
+            <a:avLst/>
+          </a:prstGeom>
+          <a:effectLst>
+            <a:innerShdw blurRad="114300">
+              <a:prstClr val="black"/>
+            </a:innerShdw>
+          </a:effectLst>
+        </p:spPr>
+      </p:pic>
+      <p:sp>
+        <p:nvSpPr>
+          <p:cNvPr id="8" name="Título 1"/>
+          <p:cNvSpPr>
+            <a:spLocks noGrp="1"/>
+          </p:cNvSpPr>
+          <p:nvPr>
+            <p:ph type="title"/>
+          </p:nvPr>
+        </p:nvSpPr>
+        <p:spPr>
+          <a:xfrm>
+            <a:off x="1069848" y="484632"/>
+            <a:ext cx="10058400" cy="1609344"/>
+          </a:xfrm>
+        </p:spPr>
         <p:txBody>
           <a:bodyPr/>
           <a:lstStyle/>
           <a:p>
             <a:r>
-              <a:rPr lang="en-US" dirty="0"/>
-              <a:t>Lutz, M. (2013). </a:t>
-            </a:r>
-            <a:r>
-              <a:rPr lang="en-US" i="1" dirty="0"/>
-              <a:t>Learning Python: Powerful Object-Oriented Programming</a:t>
-            </a:r>
-            <a:r>
-              <a:rPr lang="en-US" dirty="0"/>
-              <a:t>. " O'Reilly Media, Inc.".</a:t>
+              <a:rPr lang="es-CO" dirty="0" smtClean="0"/>
+              <a:t>Python	</a:t>
             </a:r>
             <a:endParaRPr lang="es-CO" dirty="0"/>
-          </a:p>
-        </p:txBody>
-      </p:sp>
-      <p:sp>
-        <p:nvSpPr>
-          <p:cNvPr id="4" name="Marcador de número de diapositiva 3"/>
-          <p:cNvSpPr>
-            <a:spLocks noGrp="1"/>
-          </p:cNvSpPr>
-          <p:nvPr>
-            <p:ph type="sldNum" sz="quarter" idx="12"/>
-          </p:nvPr>
-        </p:nvSpPr>
-        <p:spPr/>
-        <p:txBody>
-          <a:bodyPr/>
-          <a:lstStyle/>
-          <a:p>
-            <a:fld id="{C5E5B3A9-79B5-4540-A326-FCC6F92DD987}" type="slidenum">
-              <a:rPr lang="es-CO" smtClean="0"/>
-              <a:t>6</a:t>
-            </a:fld>
-            <a:endParaRPr lang="es-CO"/>
           </a:p>
         </p:txBody>
       </p:sp>
     </p:spTree>
     <p:extLst>
       <p:ext uri="{BB962C8B-B14F-4D97-AF65-F5344CB8AC3E}">
-        <p14:creationId xmlns:p14="http://schemas.microsoft.com/office/powerpoint/2010/main" val="2219632023"/>
+        <p14:creationId xmlns:p14="http://schemas.microsoft.com/office/powerpoint/2010/main" val="2368492270"/>
       </p:ext>
     </p:extLst>
   </p:cSld>
   <p:clrMapOvr>
     <a:masterClrMapping/>
   </p:clrMapOvr>
+  <p:timing>
+    <p:tnLst>
+      <p:par>
+        <p:cTn id="1" dur="indefinite" restart="never" nodeType="tmRoot"/>
+      </p:par>
+    </p:tnLst>
+  </p:timing>
+</p:sld>
+</file>
+
+<file path=ppt/slides/slide9.xml><?xml version="1.0" encoding="utf-8"?>
+<p:sld xmlns:a="http://schemas.openxmlformats.org/drawingml/2006/main" xmlns:r="http://schemas.openxmlformats.org/officeDocument/2006/relationships" xmlns:p="http://schemas.openxmlformats.org/presentationml/2006/main">
+  <p:cSld>
+    <p:spTree>
+      <p:nvGrpSpPr>
+        <p:cNvPr id="1" name=""/>
+        <p:cNvGrpSpPr/>
+        <p:nvPr/>
+      </p:nvGrpSpPr>
+      <p:grpSpPr>
+        <a:xfrm>
+          <a:off x="0" y="0"/>
+          <a:ext cx="0" cy="0"/>
+          <a:chOff x="0" y="0"/>
+          <a:chExt cx="0" cy="0"/>
+        </a:xfrm>
+      </p:grpSpPr>
+      <p:sp>
+        <p:nvSpPr>
+          <p:cNvPr id="4" name="Marcador de número de diapositiva 3">
+            <a:extLst>
+              <a:ext uri="{FF2B5EF4-FFF2-40B4-BE49-F238E27FC236}">
+                <a16:creationId xmlns:a16="http://schemas.microsoft.com/office/drawing/2014/main" id="{EA221394-0EBB-4640-84DA-F1D36ECD6047}"/>
+              </a:ext>
+            </a:extLst>
+          </p:cNvPr>
+          <p:cNvSpPr>
+            <a:spLocks noGrp="1"/>
+          </p:cNvSpPr>
+          <p:nvPr>
+            <p:ph type="sldNum" sz="quarter" idx="12"/>
+          </p:nvPr>
+        </p:nvSpPr>
+        <p:spPr/>
+        <p:txBody>
+          <a:bodyPr/>
+          <a:lstStyle/>
+          <a:p>
+            <a:fld id="{FF3034EF-BFAE-4255-A656-297DAB7FEC3B}" type="slidenum">
+              <a:rPr lang="es-CO" smtClean="0"/>
+              <a:t>9</a:t>
+            </a:fld>
+            <a:endParaRPr lang="es-CO"/>
+          </a:p>
+        </p:txBody>
+      </p:sp>
+      <p:pic>
+        <p:nvPicPr>
+          <p:cNvPr id="2" name="Imagen 1"/>
+          <p:cNvPicPr>
+            <a:picLocks noChangeAspect="1"/>
+          </p:cNvPicPr>
+          <p:nvPr/>
+        </p:nvPicPr>
+        <p:blipFill>
+          <a:blip r:embed="rId2"/>
+          <a:stretch>
+            <a:fillRect/>
+          </a:stretch>
+        </p:blipFill>
+        <p:spPr>
+          <a:xfrm>
+            <a:off x="2903410" y="2093976"/>
+            <a:ext cx="6391275" cy="3705225"/>
+          </a:xfrm>
+          <a:prstGeom prst="rect">
+            <a:avLst/>
+          </a:prstGeom>
+        </p:spPr>
+      </p:pic>
+      <p:sp>
+        <p:nvSpPr>
+          <p:cNvPr id="6" name="Título 1"/>
+          <p:cNvSpPr>
+            <a:spLocks noGrp="1"/>
+          </p:cNvSpPr>
+          <p:nvPr>
+            <p:ph type="title"/>
+          </p:nvPr>
+        </p:nvSpPr>
+        <p:spPr>
+          <a:xfrm>
+            <a:off x="1069848" y="484632"/>
+            <a:ext cx="10058400" cy="1609344"/>
+          </a:xfrm>
+        </p:spPr>
+        <p:txBody>
+          <a:bodyPr/>
+          <a:lstStyle/>
+          <a:p>
+            <a:r>
+              <a:rPr lang="es-CO" dirty="0" smtClean="0"/>
+              <a:t>Python	</a:t>
+            </a:r>
+            <a:endParaRPr lang="es-CO" dirty="0"/>
+          </a:p>
+        </p:txBody>
+      </p:sp>
+      <p:pic>
+        <p:nvPicPr>
+          <p:cNvPr id="7" name="Picture 2" descr="Resultado de imagen para python hacker">
+            <a:hlinkClick r:id="rId3"/>
+            <a:extLst>
+              <a:ext uri="{FF2B5EF4-FFF2-40B4-BE49-F238E27FC236}">
+                <a16:creationId xmlns:a16="http://schemas.microsoft.com/office/drawing/2014/main" id="{55CBE6CB-490C-4164-B1F8-A3EE2D7D6928}"/>
+              </a:ext>
+            </a:extLst>
+          </p:cNvPr>
+          <p:cNvPicPr>
+            <a:picLocks noChangeAspect="1" noChangeArrowheads="1"/>
+          </p:cNvPicPr>
+          <p:nvPr/>
+        </p:nvPicPr>
+        <p:blipFill>
+          <a:blip r:embed="rId4">
+            <a:extLst>
+              <a:ext uri="{28A0092B-C50C-407E-A947-70E740481C1C}">
+                <a14:useLocalDpi xmlns:a14="http://schemas.microsoft.com/office/drawing/2010/main" val="0"/>
+              </a:ext>
+            </a:extLst>
+          </a:blip>
+          <a:srcRect/>
+          <a:stretch>
+            <a:fillRect/>
+          </a:stretch>
+        </p:blipFill>
+        <p:spPr bwMode="auto">
+          <a:xfrm>
+            <a:off x="-48126" y="5151040"/>
+            <a:ext cx="1652337" cy="1706960"/>
+          </a:xfrm>
+          <a:prstGeom prst="rect">
+            <a:avLst/>
+          </a:prstGeom>
+          <a:noFill/>
+          <a:effectLst>
+            <a:outerShdw blurRad="50800" dist="50800" dir="5400000" algn="ctr" rotWithShape="0">
+              <a:schemeClr val="bg1">
+                <a:alpha val="0"/>
+              </a:schemeClr>
+            </a:outerShdw>
+            <a:softEdge rad="38100"/>
+          </a:effectLst>
+          <a:extLst>
+            <a:ext uri="{909E8E84-426E-40DD-AFC4-6F175D3DCCD1}">
+              <a14:hiddenFill xmlns:a14="http://schemas.microsoft.com/office/drawing/2010/main">
+                <a:solidFill>
+                  <a:srgbClr val="FFFFFF"/>
+                </a:solidFill>
+              </a14:hiddenFill>
+            </a:ext>
+          </a:extLst>
+        </p:spPr>
+      </p:pic>
+    </p:spTree>
+    <p:extLst>
+      <p:ext uri="{BB962C8B-B14F-4D97-AF65-F5344CB8AC3E}">
+        <p14:creationId xmlns:p14="http://schemas.microsoft.com/office/powerpoint/2010/main" val="54607587"/>
+      </p:ext>
+    </p:extLst>
+  </p:cSld>
+  <p:clrMapOvr>
+    <a:masterClrMapping/>
+  </p:clrMapOvr>
+  <p:timing>
+    <p:tnLst>
+      <p:par>
+        <p:cTn id="1" dur="indefinite" restart="never" nodeType="tmRoot"/>
+      </p:par>
+    </p:tnLst>
+  </p:timing>
 </p:sld>
 </file>
 
